--- a/CS2004 16.1 The Travelling Salesman Problem (2016-2017).pptx
+++ b/CS2004 16.1 The Travelling Salesman Problem (2016-2017).pptx
@@ -4926,7 +4926,7 @@
           <a:graphicData uri="http://schemas.openxmlformats.org/presentationml/2006/ole">
             <mc:AlternateContent xmlns:mc="http://schemas.openxmlformats.org/markup-compatibility/2006">
               <mc:Choice xmlns:v="urn:schemas-microsoft-com:vml" Requires="v">
-                <p:oleObj spid="_x0000_s160816" name="Equation" r:id="rId3" imgW="1916868" imgH="317362" progId="Equation.3">
+                <p:oleObj spid="_x0000_s160817" name="Equation" r:id="rId3" imgW="1916868" imgH="317362" progId="Equation.3">
                   <p:embed/>
                 </p:oleObj>
               </mc:Choice>
@@ -10116,7 +10116,7 @@
           <a:graphicData uri="http://schemas.openxmlformats.org/presentationml/2006/ole">
             <mc:AlternateContent xmlns:mc="http://schemas.openxmlformats.org/markup-compatibility/2006">
               <mc:Choice xmlns:v="urn:schemas-microsoft-com:vml" Requires="v">
-                <p:oleObj spid="_x0000_s187440" name="Equation" r:id="rId3" imgW="1701720" imgH="419040" progId="Equation.3">
+                <p:oleObj spid="_x0000_s187441" name="Equation" r:id="rId3" imgW="1701720" imgH="419040" progId="Equation.3">
                   <p:embed/>
                 </p:oleObj>
               </mc:Choice>
@@ -14304,7 +14304,7 @@
           <a:graphicData uri="http://schemas.openxmlformats.org/presentationml/2006/ole">
             <mc:AlternateContent xmlns:mc="http://schemas.openxmlformats.org/markup-compatibility/2006">
               <mc:Choice xmlns:v="urn:schemas-microsoft-com:vml" Requires="v">
-                <p:oleObj spid="_x0000_s159793" name="Equation" r:id="rId3" imgW="1904760" imgH="457200" progId="Equation.3">
+                <p:oleObj spid="_x0000_s159794" name="Equation" r:id="rId3" imgW="1904760" imgH="457200" progId="Equation.3">
                   <p:embed/>
                 </p:oleObj>
               </mc:Choice>
